--- a/Recherche stage/CV.pptx
+++ b/Recherche stage/CV.pptx
@@ -192,7 +192,7 @@
           <a:p>
             <a:fld id="{4C87436C-FB2F-492E-B821-3250412D3421}" type="datetimeFigureOut">
               <a:rPr lang="fr-FR" smtClean="0"/>
-              <a:t>13/05/2014</a:t>
+              <a:t>13/05/14</a:t>
             </a:fld>
             <a:endParaRPr lang="fr-FR"/>
           </a:p>
@@ -258,13 +258,18 @@
           <a:p>
             <a:fld id="{D1A37EDF-CC6B-4CBF-973E-2446E9F12A41}" type="slidenum">
               <a:rPr lang="fr-FR" smtClean="0"/>
-              <a:t>‹N°›</a:t>
+              <a:t>‹#›</a:t>
             </a:fld>
             <a:endParaRPr lang="fr-FR"/>
           </a:p>
         </p:txBody>
       </p:sp>
     </p:spTree>
+    <p:extLst>
+      <p:ext uri="{BB962C8B-B14F-4D97-AF65-F5344CB8AC3E}">
+        <p14:creationId xmlns:p14="http://schemas.microsoft.com/office/powerpoint/2010/main" val="1357040368"/>
+      </p:ext>
+    </p:extLst>
   </p:cSld>
   <p:clrMap bg1="lt1" tx1="dk1" bg2="lt2" tx2="dk2" accent1="accent1" accent2="accent2" accent3="accent3" accent4="accent4" accent5="accent5" accent6="accent6" hlink="hlink" folHlink="folHlink"/>
 </p:handoutMaster>
@@ -451,7 +456,7 @@
           <a:p>
             <a:fld id="{BA836581-EAD9-4627-8B13-54FADF4EB81E}" type="datetimeFigureOut">
               <a:rPr lang="fr-FR" smtClean="0"/>
-              <a:t>13/05/2014</a:t>
+              <a:t>13/05/14</a:t>
             </a:fld>
             <a:endParaRPr lang="fr-FR"/>
           </a:p>
@@ -493,7 +498,7 @@
           <a:p>
             <a:fld id="{9C9AA208-67CA-4BCC-8F0A-B7D1DD6F5DF5}" type="slidenum">
               <a:rPr lang="fr-FR" smtClean="0"/>
-              <a:t>‹N°›</a:t>
+              <a:t>‹#›</a:t>
             </a:fld>
             <a:endParaRPr lang="fr-FR"/>
           </a:p>
@@ -616,7 +621,7 @@
           <a:p>
             <a:fld id="{BA836581-EAD9-4627-8B13-54FADF4EB81E}" type="datetimeFigureOut">
               <a:rPr lang="fr-FR" smtClean="0"/>
-              <a:t>13/05/2014</a:t>
+              <a:t>13/05/14</a:t>
             </a:fld>
             <a:endParaRPr lang="fr-FR"/>
           </a:p>
@@ -658,7 +663,7 @@
           <a:p>
             <a:fld id="{9C9AA208-67CA-4BCC-8F0A-B7D1DD6F5DF5}" type="slidenum">
               <a:rPr lang="fr-FR" smtClean="0"/>
-              <a:t>‹N°›</a:t>
+              <a:t>‹#›</a:t>
             </a:fld>
             <a:endParaRPr lang="fr-FR"/>
           </a:p>
@@ -791,7 +796,7 @@
           <a:p>
             <a:fld id="{BA836581-EAD9-4627-8B13-54FADF4EB81E}" type="datetimeFigureOut">
               <a:rPr lang="fr-FR" smtClean="0"/>
-              <a:t>13/05/2014</a:t>
+              <a:t>13/05/14</a:t>
             </a:fld>
             <a:endParaRPr lang="fr-FR"/>
           </a:p>
@@ -833,7 +838,7 @@
           <a:p>
             <a:fld id="{9C9AA208-67CA-4BCC-8F0A-B7D1DD6F5DF5}" type="slidenum">
               <a:rPr lang="fr-FR" smtClean="0"/>
-              <a:t>‹N°›</a:t>
+              <a:t>‹#›</a:t>
             </a:fld>
             <a:endParaRPr lang="fr-FR"/>
           </a:p>
@@ -956,7 +961,7 @@
           <a:p>
             <a:fld id="{BA836581-EAD9-4627-8B13-54FADF4EB81E}" type="datetimeFigureOut">
               <a:rPr lang="fr-FR" smtClean="0"/>
-              <a:t>13/05/2014</a:t>
+              <a:t>13/05/14</a:t>
             </a:fld>
             <a:endParaRPr lang="fr-FR"/>
           </a:p>
@@ -998,7 +1003,7 @@
           <a:p>
             <a:fld id="{9C9AA208-67CA-4BCC-8F0A-B7D1DD6F5DF5}" type="slidenum">
               <a:rPr lang="fr-FR" smtClean="0"/>
-              <a:t>‹N°›</a:t>
+              <a:t>‹#›</a:t>
             </a:fld>
             <a:endParaRPr lang="fr-FR"/>
           </a:p>
@@ -1197,7 +1202,7 @@
           <a:p>
             <a:fld id="{BA836581-EAD9-4627-8B13-54FADF4EB81E}" type="datetimeFigureOut">
               <a:rPr lang="fr-FR" smtClean="0"/>
-              <a:t>13/05/2014</a:t>
+              <a:t>13/05/14</a:t>
             </a:fld>
             <a:endParaRPr lang="fr-FR"/>
           </a:p>
@@ -1239,7 +1244,7 @@
           <a:p>
             <a:fld id="{9C9AA208-67CA-4BCC-8F0A-B7D1DD6F5DF5}" type="slidenum">
               <a:rPr lang="fr-FR" smtClean="0"/>
-              <a:t>‹N°›</a:t>
+              <a:t>‹#›</a:t>
             </a:fld>
             <a:endParaRPr lang="fr-FR"/>
           </a:p>
@@ -1480,7 +1485,7 @@
           <a:p>
             <a:fld id="{BA836581-EAD9-4627-8B13-54FADF4EB81E}" type="datetimeFigureOut">
               <a:rPr lang="fr-FR" smtClean="0"/>
-              <a:t>13/05/2014</a:t>
+              <a:t>13/05/14</a:t>
             </a:fld>
             <a:endParaRPr lang="fr-FR"/>
           </a:p>
@@ -1522,7 +1527,7 @@
           <a:p>
             <a:fld id="{9C9AA208-67CA-4BCC-8F0A-B7D1DD6F5DF5}" type="slidenum">
               <a:rPr lang="fr-FR" smtClean="0"/>
-              <a:t>‹N°›</a:t>
+              <a:t>‹#›</a:t>
             </a:fld>
             <a:endParaRPr lang="fr-FR"/>
           </a:p>
@@ -1897,7 +1902,7 @@
           <a:p>
             <a:fld id="{BA836581-EAD9-4627-8B13-54FADF4EB81E}" type="datetimeFigureOut">
               <a:rPr lang="fr-FR" smtClean="0"/>
-              <a:t>13/05/2014</a:t>
+              <a:t>13/05/14</a:t>
             </a:fld>
             <a:endParaRPr lang="fr-FR"/>
           </a:p>
@@ -1939,7 +1944,7 @@
           <a:p>
             <a:fld id="{9C9AA208-67CA-4BCC-8F0A-B7D1DD6F5DF5}" type="slidenum">
               <a:rPr lang="fr-FR" smtClean="0"/>
-              <a:t>‹N°›</a:t>
+              <a:t>‹#›</a:t>
             </a:fld>
             <a:endParaRPr lang="fr-FR"/>
           </a:p>
@@ -2010,7 +2015,7 @@
           <a:p>
             <a:fld id="{BA836581-EAD9-4627-8B13-54FADF4EB81E}" type="datetimeFigureOut">
               <a:rPr lang="fr-FR" smtClean="0"/>
-              <a:t>13/05/2014</a:t>
+              <a:t>13/05/14</a:t>
             </a:fld>
             <a:endParaRPr lang="fr-FR"/>
           </a:p>
@@ -2052,7 +2057,7 @@
           <a:p>
             <a:fld id="{9C9AA208-67CA-4BCC-8F0A-B7D1DD6F5DF5}" type="slidenum">
               <a:rPr lang="fr-FR" smtClean="0"/>
-              <a:t>‹N°›</a:t>
+              <a:t>‹#›</a:t>
             </a:fld>
             <a:endParaRPr lang="fr-FR"/>
           </a:p>
@@ -2100,7 +2105,7 @@
           <a:p>
             <a:fld id="{BA836581-EAD9-4627-8B13-54FADF4EB81E}" type="datetimeFigureOut">
               <a:rPr lang="fr-FR" smtClean="0"/>
-              <a:t>13/05/2014</a:t>
+              <a:t>13/05/14</a:t>
             </a:fld>
             <a:endParaRPr lang="fr-FR"/>
           </a:p>
@@ -2142,7 +2147,7 @@
           <a:p>
             <a:fld id="{9C9AA208-67CA-4BCC-8F0A-B7D1DD6F5DF5}" type="slidenum">
               <a:rPr lang="fr-FR" smtClean="0"/>
-              <a:t>‹N°›</a:t>
+              <a:t>‹#›</a:t>
             </a:fld>
             <a:endParaRPr lang="fr-FR"/>
           </a:p>
@@ -2372,7 +2377,7 @@
           <a:p>
             <a:fld id="{BA836581-EAD9-4627-8B13-54FADF4EB81E}" type="datetimeFigureOut">
               <a:rPr lang="fr-FR" smtClean="0"/>
-              <a:t>13/05/2014</a:t>
+              <a:t>13/05/14</a:t>
             </a:fld>
             <a:endParaRPr lang="fr-FR"/>
           </a:p>
@@ -2414,7 +2419,7 @@
           <a:p>
             <a:fld id="{9C9AA208-67CA-4BCC-8F0A-B7D1DD6F5DF5}" type="slidenum">
               <a:rPr lang="fr-FR" smtClean="0"/>
-              <a:t>‹N°›</a:t>
+              <a:t>‹#›</a:t>
             </a:fld>
             <a:endParaRPr lang="fr-FR"/>
           </a:p>
@@ -2620,7 +2625,7 @@
           <a:p>
             <a:fld id="{BA836581-EAD9-4627-8B13-54FADF4EB81E}" type="datetimeFigureOut">
               <a:rPr lang="fr-FR" smtClean="0"/>
-              <a:t>13/05/2014</a:t>
+              <a:t>13/05/14</a:t>
             </a:fld>
             <a:endParaRPr lang="fr-FR"/>
           </a:p>
@@ -2662,7 +2667,7 @@
           <a:p>
             <a:fld id="{9C9AA208-67CA-4BCC-8F0A-B7D1DD6F5DF5}" type="slidenum">
               <a:rPr lang="fr-FR" smtClean="0"/>
-              <a:t>‹N°›</a:t>
+              <a:t>‹#›</a:t>
             </a:fld>
             <a:endParaRPr lang="fr-FR"/>
           </a:p>
@@ -2828,7 +2833,7 @@
           <a:p>
             <a:fld id="{BA836581-EAD9-4627-8B13-54FADF4EB81E}" type="datetimeFigureOut">
               <a:rPr lang="fr-FR" smtClean="0"/>
-              <a:t>13/05/2014</a:t>
+              <a:t>13/05/14</a:t>
             </a:fld>
             <a:endParaRPr lang="fr-FR"/>
           </a:p>
@@ -2906,7 +2911,7 @@
           <a:p>
             <a:fld id="{9C9AA208-67CA-4BCC-8F0A-B7D1DD6F5DF5}" type="slidenum">
               <a:rPr lang="fr-FR" smtClean="0"/>
-              <a:t>‹N°›</a:t>
+              <a:t>‹#›</a:t>
             </a:fld>
             <a:endParaRPr lang="fr-FR"/>
           </a:p>
@@ -3206,7 +3211,7 @@
         </p:nvSpPr>
         <p:spPr>
           <a:xfrm>
-            <a:off x="404664" y="467544"/>
+            <a:off x="404664" y="539552"/>
             <a:ext cx="2232248" cy="461665"/>
           </a:xfrm>
           <a:prstGeom prst="rect">
@@ -3299,7 +3304,7 @@
         </p:nvSpPr>
         <p:spPr>
           <a:xfrm>
-            <a:off x="404664" y="2051720"/>
+            <a:off x="404664" y="1547664"/>
             <a:ext cx="2232248" cy="369332"/>
           </a:xfrm>
           <a:prstGeom prst="rect">
@@ -3337,7 +3342,7 @@
         </p:nvSpPr>
         <p:spPr>
           <a:xfrm>
-            <a:off x="404664" y="4922748"/>
+            <a:off x="404664" y="4355976"/>
             <a:ext cx="2232248" cy="369332"/>
           </a:xfrm>
           <a:prstGeom prst="rect">
@@ -3375,7 +3380,7 @@
         </p:nvSpPr>
         <p:spPr>
           <a:xfrm>
-            <a:off x="404664" y="7299012"/>
+            <a:off x="404664" y="6813540"/>
             <a:ext cx="2232248" cy="369332"/>
           </a:xfrm>
           <a:prstGeom prst="rect">
@@ -3413,7 +3418,7 @@
         </p:nvSpPr>
         <p:spPr>
           <a:xfrm>
-            <a:off x="404664" y="5930860"/>
+            <a:off x="404664" y="5085348"/>
             <a:ext cx="2474776" cy="369332"/>
           </a:xfrm>
           <a:prstGeom prst="rect">
@@ -3451,7 +3456,7 @@
         </p:nvSpPr>
         <p:spPr>
           <a:xfrm>
-            <a:off x="404664" y="6650940"/>
+            <a:off x="404664" y="6012160"/>
             <a:ext cx="4464496" cy="369332"/>
           </a:xfrm>
           <a:prstGeom prst="rect">
@@ -3489,7 +3494,7 @@
         </p:nvSpPr>
         <p:spPr>
           <a:xfrm>
-            <a:off x="1340768" y="2588875"/>
+            <a:off x="1556792" y="1907704"/>
             <a:ext cx="3960440" cy="830997"/>
           </a:xfrm>
           <a:prstGeom prst="rect">
@@ -3515,21 +3520,9 @@
               <a:buChar char="§"/>
             </a:pPr>
             <a:r>
-              <a:rPr lang="fr-FR" sz="1200" dirty="0" err="1" smtClean="0"/>
-              <a:t>Dsdsdsdsds</a:t>
-            </a:r>
-            <a:endParaRPr lang="fr-FR" sz="1200" dirty="0" smtClean="0"/>
-          </a:p>
-          <a:p>
-            <a:pPr marL="357188" lvl="1" indent="-171450">
-              <a:buFont typeface="Wingdings" pitchFamily="2" charset="2"/>
-              <a:buChar char="§"/>
-            </a:pPr>
-            <a:r>
-              <a:rPr lang="fr-FR" sz="1200" dirty="0" err="1" smtClean="0"/>
-              <a:t>Ezezezdsddsdsds</a:t>
-            </a:r>
-            <a:endParaRPr lang="fr-FR" sz="1200" dirty="0" smtClean="0"/>
+              <a:rPr lang="fr-FR" sz="1200" dirty="0" smtClean="0"/>
+              <a:t>Module d’apprentissage de C</a:t>
+            </a:r>
           </a:p>
           <a:p>
             <a:pPr marL="185738" indent="-185738">
@@ -3537,8 +3530,30 @@
               <a:buChar char="§"/>
             </a:pPr>
             <a:r>
+              <a:rPr lang="fr-FR" sz="1200" dirty="0" smtClean="0"/>
+              <a:t>Module de d</a:t>
+            </a:r>
+            <a:r>
+              <a:rPr lang="fr-FR" sz="1200" dirty="0" smtClean="0"/>
+              <a:t>éveloppement web</a:t>
+            </a:r>
+          </a:p>
+          <a:p>
+            <a:pPr marL="185738" indent="-185738">
+              <a:buFont typeface="Wingdings" pitchFamily="2" charset="2"/>
+              <a:buChar char="§"/>
+            </a:pPr>
+            <a:r>
+              <a:rPr lang="fr-FR" sz="1200" dirty="0" smtClean="0"/>
+              <a:t>Première approche en </a:t>
+            </a:r>
+            <a:r>
               <a:rPr lang="fr-FR" sz="1200" dirty="0" err="1" smtClean="0"/>
-              <a:t>sdsdsds</a:t>
+              <a:t>algorithmie</a:t>
+            </a:r>
+            <a:r>
+              <a:rPr lang="fr-FR" sz="1200" dirty="0" smtClean="0"/>
+              <a:t> et en infographie</a:t>
             </a:r>
             <a:endParaRPr lang="fr-FR" sz="1200" dirty="0" smtClean="0"/>
           </a:p>
@@ -3552,7 +3567,7 @@
         </p:nvSpPr>
         <p:spPr>
           <a:xfrm>
-            <a:off x="404664" y="2588875"/>
+            <a:off x="620688" y="1907704"/>
             <a:ext cx="936104" cy="276999"/>
           </a:xfrm>
           <a:prstGeom prst="rect">
@@ -3582,8 +3597,8 @@
         </p:nvSpPr>
         <p:spPr>
           <a:xfrm>
-            <a:off x="1340768" y="3563888"/>
-            <a:ext cx="3960440" cy="830997"/>
+            <a:off x="1556792" y="2738701"/>
+            <a:ext cx="3960440" cy="276999"/>
           </a:xfrm>
           <a:prstGeom prst="rect">
             <a:avLst/>
@@ -3599,41 +3614,13 @@
             <a:pPr marL="185738" indent="-185738"/>
             <a:r>
               <a:rPr lang="fr-FR" sz="1200" b="1" dirty="0" smtClean="0"/>
-              <a:t>Première année à l’école 42, Paris</a:t>
-            </a:r>
-          </a:p>
-          <a:p>
-            <a:pPr marL="185738" indent="-185738">
-              <a:buFont typeface="Wingdings" pitchFamily="2" charset="2"/>
-              <a:buChar char="§"/>
-            </a:pPr>
-            <a:r>
-              <a:rPr lang="fr-FR" sz="1200" dirty="0" err="1" smtClean="0"/>
-              <a:t>Dsdsdsdsds</a:t>
-            </a:r>
-            <a:endParaRPr lang="fr-FR" sz="1200" dirty="0" smtClean="0"/>
-          </a:p>
-          <a:p>
-            <a:pPr marL="357188" lvl="1" indent="-171450">
-              <a:buFont typeface="Wingdings" pitchFamily="2" charset="2"/>
-              <a:buChar char="§"/>
-            </a:pPr>
-            <a:r>
-              <a:rPr lang="fr-FR" sz="1200" dirty="0" err="1" smtClean="0"/>
-              <a:t>Ezezezdsddsdsds</a:t>
-            </a:r>
-            <a:endParaRPr lang="fr-FR" sz="1200" dirty="0" smtClean="0"/>
-          </a:p>
-          <a:p>
-            <a:pPr marL="185738" indent="-185738">
-              <a:buFont typeface="Wingdings" pitchFamily="2" charset="2"/>
-              <a:buChar char="§"/>
-            </a:pPr>
-            <a:r>
-              <a:rPr lang="fr-FR" sz="1200" dirty="0" err="1" smtClean="0"/>
-              <a:t>sdsdsds</a:t>
-            </a:r>
-            <a:endParaRPr lang="fr-FR" sz="1200" dirty="0" smtClean="0"/>
+              <a:t>Travail en int</a:t>
+            </a:r>
+            <a:r>
+              <a:rPr lang="fr-FR" sz="1200" b="1" dirty="0" smtClean="0"/>
+              <a:t>érim</a:t>
+            </a:r>
+            <a:endParaRPr lang="fr-FR" sz="1200" dirty="0"/>
           </a:p>
         </p:txBody>
       </p:sp>
@@ -3645,7 +3632,7 @@
         </p:nvSpPr>
         <p:spPr>
           <a:xfrm>
-            <a:off x="404664" y="3563888"/>
+            <a:off x="620688" y="2738701"/>
             <a:ext cx="936104" cy="276999"/>
           </a:xfrm>
           <a:prstGeom prst="rect">
@@ -3662,8 +3649,375 @@
             <a:pPr marL="185738" indent="-185738"/>
             <a:r>
               <a:rPr lang="fr-FR" sz="1200" b="1" dirty="0" smtClean="0"/>
-              <a:t>2012-2013</a:t>
-            </a:r>
+              <a:t>2011-2012</a:t>
+            </a:r>
+            <a:endParaRPr lang="fr-FR" sz="1200" b="1" dirty="0" smtClean="0"/>
+          </a:p>
+        </p:txBody>
+      </p:sp>
+      <p:sp>
+        <p:nvSpPr>
+          <p:cNvPr id="17" name="ZoneTexte 16"/>
+          <p:cNvSpPr txBox="1"/>
+          <p:nvPr/>
+        </p:nvSpPr>
+        <p:spPr>
+          <a:xfrm>
+            <a:off x="620688" y="3530789"/>
+            <a:ext cx="936104" cy="276999"/>
+          </a:xfrm>
+          <a:prstGeom prst="rect">
+            <a:avLst/>
+          </a:prstGeom>
+          <a:noFill/>
+        </p:spPr>
+        <p:txBody>
+          <a:bodyPr wrap="square" rtlCol="0">
+            <a:spAutoFit/>
+          </a:bodyPr>
+          <a:lstStyle/>
+          <a:p>
+            <a:pPr marL="185738" indent="-185738"/>
+            <a:r>
+              <a:rPr lang="fr-FR" sz="1200" b="1" dirty="0" smtClean="0"/>
+              <a:t>2007-2009</a:t>
+            </a:r>
+            <a:endParaRPr lang="fr-FR" sz="1200" b="1" dirty="0" smtClean="0"/>
+          </a:p>
+        </p:txBody>
+      </p:sp>
+      <p:sp>
+        <p:nvSpPr>
+          <p:cNvPr id="18" name="ZoneTexte 17"/>
+          <p:cNvSpPr txBox="1"/>
+          <p:nvPr/>
+        </p:nvSpPr>
+        <p:spPr>
+          <a:xfrm>
+            <a:off x="1556792" y="3170749"/>
+            <a:ext cx="3960440" cy="276999"/>
+          </a:xfrm>
+          <a:prstGeom prst="rect">
+            <a:avLst/>
+          </a:prstGeom>
+          <a:noFill/>
+        </p:spPr>
+        <p:txBody>
+          <a:bodyPr wrap="square" rtlCol="0">
+            <a:spAutoFit/>
+          </a:bodyPr>
+          <a:lstStyle/>
+          <a:p>
+            <a:pPr marL="185738" indent="-185738"/>
+            <a:r>
+              <a:rPr lang="fr-FR" sz="1200" b="1" dirty="0" smtClean="0"/>
+              <a:t>Formation ing</a:t>
+            </a:r>
+            <a:r>
+              <a:rPr lang="fr-FR" sz="1200" b="1" dirty="0" smtClean="0"/>
+              <a:t>énieur à l’école Centrale Nantes</a:t>
+            </a:r>
+            <a:endParaRPr lang="fr-FR" sz="1200" dirty="0"/>
+          </a:p>
+        </p:txBody>
+      </p:sp>
+      <p:sp>
+        <p:nvSpPr>
+          <p:cNvPr id="19" name="ZoneTexte 18"/>
+          <p:cNvSpPr txBox="1"/>
+          <p:nvPr/>
+        </p:nvSpPr>
+        <p:spPr>
+          <a:xfrm>
+            <a:off x="620688" y="3170749"/>
+            <a:ext cx="944488" cy="276999"/>
+          </a:xfrm>
+          <a:prstGeom prst="rect">
+            <a:avLst/>
+          </a:prstGeom>
+          <a:noFill/>
+        </p:spPr>
+        <p:txBody>
+          <a:bodyPr wrap="square" rtlCol="0">
+            <a:spAutoFit/>
+          </a:bodyPr>
+          <a:lstStyle/>
+          <a:p>
+            <a:pPr marL="185738" indent="-185738"/>
+            <a:r>
+              <a:rPr lang="fr-FR" sz="1200" b="1" dirty="0" smtClean="0"/>
+              <a:t>2009-2011</a:t>
+            </a:r>
+            <a:endParaRPr lang="fr-FR" sz="1200" b="1" dirty="0" smtClean="0"/>
+          </a:p>
+        </p:txBody>
+      </p:sp>
+      <p:sp>
+        <p:nvSpPr>
+          <p:cNvPr id="20" name="ZoneTexte 19"/>
+          <p:cNvSpPr txBox="1"/>
+          <p:nvPr/>
+        </p:nvSpPr>
+        <p:spPr>
+          <a:xfrm>
+            <a:off x="620688" y="3962837"/>
+            <a:ext cx="936104" cy="276999"/>
+          </a:xfrm>
+          <a:prstGeom prst="rect">
+            <a:avLst/>
+          </a:prstGeom>
+          <a:noFill/>
+        </p:spPr>
+        <p:txBody>
+          <a:bodyPr wrap="square" rtlCol="0">
+            <a:spAutoFit/>
+          </a:bodyPr>
+          <a:lstStyle/>
+          <a:p>
+            <a:pPr marL="185738" indent="-185738"/>
+            <a:r>
+              <a:rPr lang="fr-FR" sz="1200" b="1" dirty="0" smtClean="0"/>
+              <a:t>Été 2007</a:t>
+            </a:r>
+            <a:endParaRPr lang="fr-FR" sz="1200" b="1" dirty="0" smtClean="0"/>
+          </a:p>
+        </p:txBody>
+      </p:sp>
+      <p:sp>
+        <p:nvSpPr>
+          <p:cNvPr id="21" name="ZoneTexte 20"/>
+          <p:cNvSpPr txBox="1"/>
+          <p:nvPr/>
+        </p:nvSpPr>
+        <p:spPr>
+          <a:xfrm>
+            <a:off x="1556792" y="3530789"/>
+            <a:ext cx="5040560" cy="461665"/>
+          </a:xfrm>
+          <a:prstGeom prst="rect">
+            <a:avLst/>
+          </a:prstGeom>
+          <a:noFill/>
+        </p:spPr>
+        <p:txBody>
+          <a:bodyPr wrap="square" rtlCol="0">
+            <a:spAutoFit/>
+          </a:bodyPr>
+          <a:lstStyle/>
+          <a:p>
+            <a:pPr marL="185738" indent="-185738"/>
+            <a:r>
+              <a:rPr lang="fr-FR" sz="1200" b="1" dirty="0" smtClean="0"/>
+              <a:t>Classe pr</a:t>
+            </a:r>
+            <a:r>
+              <a:rPr lang="fr-FR" sz="1200" b="1" dirty="0" smtClean="0"/>
+              <a:t>éparatoire aux grandes écoles au lycée Condorcet, Paris</a:t>
+            </a:r>
+          </a:p>
+          <a:p>
+            <a:pPr marL="185738" indent="-185738">
+              <a:buFont typeface="Arial"/>
+              <a:buChar char="•"/>
+            </a:pPr>
+            <a:r>
+              <a:rPr lang="fr-FR" sz="1200" dirty="0" smtClean="0"/>
+              <a:t>Informatique théorique</a:t>
+            </a:r>
+            <a:r>
+              <a:rPr lang="fr-FR" sz="1200" b="1" dirty="0" smtClean="0"/>
+              <a:t> </a:t>
+            </a:r>
+            <a:endParaRPr lang="fr-FR" sz="1200" dirty="0"/>
+          </a:p>
+        </p:txBody>
+      </p:sp>
+      <p:sp>
+        <p:nvSpPr>
+          <p:cNvPr id="22" name="ZoneTexte 21"/>
+          <p:cNvSpPr txBox="1"/>
+          <p:nvPr/>
+        </p:nvSpPr>
+        <p:spPr>
+          <a:xfrm>
+            <a:off x="1556792" y="3962837"/>
+            <a:ext cx="5040560" cy="276999"/>
+          </a:xfrm>
+          <a:prstGeom prst="rect">
+            <a:avLst/>
+          </a:prstGeom>
+          <a:noFill/>
+        </p:spPr>
+        <p:txBody>
+          <a:bodyPr wrap="square" rtlCol="0">
+            <a:spAutoFit/>
+          </a:bodyPr>
+          <a:lstStyle/>
+          <a:p>
+            <a:pPr marL="185738" indent="-185738"/>
+            <a:r>
+              <a:rPr lang="fr-FR" sz="1200" b="1" dirty="0" smtClean="0"/>
+              <a:t>Passage du bac S, mention tr</a:t>
+            </a:r>
+            <a:r>
+              <a:rPr lang="fr-FR" sz="1200" b="1" dirty="0" smtClean="0"/>
+              <a:t>ès bien</a:t>
+            </a:r>
+            <a:endParaRPr lang="fr-FR" sz="1200" dirty="0"/>
+          </a:p>
+        </p:txBody>
+      </p:sp>
+      <p:sp>
+        <p:nvSpPr>
+          <p:cNvPr id="24" name="ZoneTexte 23"/>
+          <p:cNvSpPr txBox="1"/>
+          <p:nvPr/>
+        </p:nvSpPr>
+        <p:spPr>
+          <a:xfrm>
+            <a:off x="548680" y="5445388"/>
+            <a:ext cx="5040560" cy="646331"/>
+          </a:xfrm>
+          <a:prstGeom prst="rect">
+            <a:avLst/>
+          </a:prstGeom>
+          <a:noFill/>
+        </p:spPr>
+        <p:txBody>
+          <a:bodyPr wrap="square" rtlCol="0">
+            <a:spAutoFit/>
+          </a:bodyPr>
+          <a:lstStyle/>
+          <a:p>
+            <a:pPr marL="185738" indent="-185738">
+              <a:buFont typeface="Arial"/>
+              <a:buChar char="•"/>
+            </a:pPr>
+            <a:r>
+              <a:rPr lang="fr-FR" sz="1200" dirty="0" smtClean="0"/>
+              <a:t>Ma</a:t>
+            </a:r>
+            <a:r>
+              <a:rPr lang="fr-FR" sz="1200" dirty="0" smtClean="0"/>
+              <a:t>îtrise du C</a:t>
+            </a:r>
+          </a:p>
+          <a:p>
+            <a:pPr marL="185738" indent="-185738">
+              <a:buFont typeface="Arial"/>
+              <a:buChar char="•"/>
+            </a:pPr>
+            <a:r>
+              <a:rPr lang="fr-FR" sz="1200" dirty="0" smtClean="0"/>
+              <a:t>Compétence en PHP, développement web</a:t>
+            </a:r>
+          </a:p>
+          <a:p>
+            <a:pPr marL="185738" indent="-185738">
+              <a:buFont typeface="Arial"/>
+              <a:buChar char="•"/>
+            </a:pPr>
+            <a:r>
+              <a:rPr lang="fr-FR" sz="1200" dirty="0" smtClean="0"/>
+              <a:t>Bases en </a:t>
+            </a:r>
+            <a:r>
+              <a:rPr lang="fr-FR" sz="1200" dirty="0" err="1" smtClean="0"/>
+              <a:t>ruby</a:t>
+            </a:r>
+            <a:endParaRPr lang="fr-FR" sz="1200" dirty="0"/>
+          </a:p>
+        </p:txBody>
+      </p:sp>
+      <p:sp>
+        <p:nvSpPr>
+          <p:cNvPr id="25" name="ZoneTexte 24"/>
+          <p:cNvSpPr txBox="1"/>
+          <p:nvPr/>
+        </p:nvSpPr>
+        <p:spPr>
+          <a:xfrm>
+            <a:off x="548680" y="6453500"/>
+            <a:ext cx="5040560" cy="276999"/>
+          </a:xfrm>
+          <a:prstGeom prst="rect">
+            <a:avLst/>
+          </a:prstGeom>
+          <a:noFill/>
+        </p:spPr>
+        <p:txBody>
+          <a:bodyPr wrap="square" rtlCol="0">
+            <a:spAutoFit/>
+          </a:bodyPr>
+          <a:lstStyle/>
+          <a:p>
+            <a:pPr marL="185738" indent="-185738">
+              <a:buFont typeface="Arial"/>
+              <a:buChar char="•"/>
+            </a:pPr>
+            <a:r>
+              <a:rPr lang="fr-FR" sz="1200" dirty="0" smtClean="0"/>
+              <a:t>Anglais courant</a:t>
+            </a:r>
+            <a:endParaRPr lang="fr-FR" sz="1200" dirty="0"/>
+          </a:p>
+        </p:txBody>
+      </p:sp>
+      <p:sp>
+        <p:nvSpPr>
+          <p:cNvPr id="27" name="ZoneTexte 26"/>
+          <p:cNvSpPr txBox="1"/>
+          <p:nvPr/>
+        </p:nvSpPr>
+        <p:spPr>
+          <a:xfrm>
+            <a:off x="548680" y="7245588"/>
+            <a:ext cx="5040560" cy="646331"/>
+          </a:xfrm>
+          <a:prstGeom prst="rect">
+            <a:avLst/>
+          </a:prstGeom>
+          <a:noFill/>
+        </p:spPr>
+        <p:txBody>
+          <a:bodyPr wrap="square" rtlCol="0">
+            <a:spAutoFit/>
+          </a:bodyPr>
+          <a:lstStyle/>
+          <a:p>
+            <a:pPr marL="185738" indent="-185738">
+              <a:buFont typeface="Arial"/>
+              <a:buChar char="•"/>
+            </a:pPr>
+            <a:r>
+              <a:rPr lang="fr-FR" sz="1200" dirty="0" smtClean="0"/>
+              <a:t>Jeu de soci</a:t>
+            </a:r>
+            <a:r>
+              <a:rPr lang="fr-FR" sz="1200" dirty="0" smtClean="0"/>
+              <a:t>été</a:t>
+            </a:r>
+          </a:p>
+          <a:p>
+            <a:pPr marL="185738" indent="-185738">
+              <a:buFont typeface="Arial"/>
+              <a:buChar char="•"/>
+            </a:pPr>
+            <a:r>
+              <a:rPr lang="fr-FR" sz="1200" dirty="0" smtClean="0"/>
+              <a:t>Lecture</a:t>
+            </a:r>
+          </a:p>
+          <a:p>
+            <a:pPr marL="185738" indent="-185738">
+              <a:buFont typeface="Arial"/>
+              <a:buChar char="•"/>
+            </a:pPr>
+            <a:r>
+              <a:rPr lang="fr-FR" sz="1200" dirty="0" smtClean="0"/>
+              <a:t>Tennis</a:t>
+            </a:r>
+            <a:endParaRPr lang="fr-FR" sz="1200" dirty="0"/>
           </a:p>
         </p:txBody>
       </p:sp>
@@ -3675,7 +4029,7 @@
   <p:timing>
     <p:tnLst>
       <p:par>
-        <p:cTn id="1" dur="indefinite" restart="never" nodeType="tmRoot"/>
+        <p:cTn xmlns:p14="http://schemas.microsoft.com/office/powerpoint/2010/main" id="1" dur="indefinite" restart="never" nodeType="tmRoot"/>
       </p:par>
     </p:tnLst>
   </p:timing>

--- a/Recherche stage/CV.pptx
+++ b/Recherche stage/CV.pptx
@@ -11,7 +11,7 @@
     <p:sldId id="256" r:id="rId2"/>
   </p:sldIdLst>
   <p:sldSz cx="6858000" cy="9144000" type="screen4x3"/>
-  <p:notesSz cx="6858000" cy="9144000"/>
+  <p:notesSz cx="6888163" cy="10020300"/>
   <p:defaultTextStyle>
     <a:defPPr>
       <a:defRPr lang="fr-FR"/>
@@ -145,17 +145,17 @@
         <p:spPr>
           <a:xfrm>
             <a:off x="0" y="0"/>
-            <a:ext cx="2971800" cy="457200"/>
+            <a:ext cx="2984871" cy="501015"/>
           </a:xfrm>
           <a:prstGeom prst="rect">
             <a:avLst/>
           </a:prstGeom>
         </p:spPr>
         <p:txBody>
-          <a:bodyPr vert="horz" lIns="91440" tIns="45720" rIns="91440" bIns="45720" rtlCol="0"/>
+          <a:bodyPr vert="horz" lIns="96616" tIns="48308" rIns="96616" bIns="48308" rtlCol="0"/>
           <a:lstStyle>
             <a:lvl1pPr algn="l">
-              <a:defRPr sz="1200"/>
+              <a:defRPr sz="1300"/>
             </a:lvl1pPr>
           </a:lstStyle>
           <a:p>
@@ -175,24 +175,25 @@
         </p:nvSpPr>
         <p:spPr>
           <a:xfrm>
-            <a:off x="3884613" y="0"/>
-            <a:ext cx="2971800" cy="457200"/>
+            <a:off x="3901698" y="0"/>
+            <a:ext cx="2984871" cy="501015"/>
           </a:xfrm>
           <a:prstGeom prst="rect">
             <a:avLst/>
           </a:prstGeom>
         </p:spPr>
         <p:txBody>
-          <a:bodyPr vert="horz" lIns="91440" tIns="45720" rIns="91440" bIns="45720" rtlCol="0"/>
+          <a:bodyPr vert="horz" lIns="96616" tIns="48308" rIns="96616" bIns="48308" rtlCol="0"/>
           <a:lstStyle>
             <a:lvl1pPr algn="r">
-              <a:defRPr sz="1200"/>
+              <a:defRPr sz="1300"/>
             </a:lvl1pPr>
           </a:lstStyle>
           <a:p>
             <a:fld id="{4C87436C-FB2F-492E-B821-3250412D3421}" type="datetimeFigureOut">
               <a:rPr lang="fr-FR" smtClean="0"/>
-              <a:t>13/05/14</a:t>
+              <a:pPr/>
+              <a:t>14/05/2014</a:t>
             </a:fld>
             <a:endParaRPr lang="fr-FR"/>
           </a:p>
@@ -210,18 +211,18 @@
         </p:nvSpPr>
         <p:spPr>
           <a:xfrm>
-            <a:off x="0" y="8685213"/>
-            <a:ext cx="2971800" cy="457200"/>
+            <a:off x="0" y="9517546"/>
+            <a:ext cx="2984871" cy="501015"/>
           </a:xfrm>
           <a:prstGeom prst="rect">
             <a:avLst/>
           </a:prstGeom>
         </p:spPr>
         <p:txBody>
-          <a:bodyPr vert="horz" lIns="91440" tIns="45720" rIns="91440" bIns="45720" rtlCol="0" anchor="b"/>
+          <a:bodyPr vert="horz" lIns="96616" tIns="48308" rIns="96616" bIns="48308" rtlCol="0" anchor="b"/>
           <a:lstStyle>
             <a:lvl1pPr algn="l">
-              <a:defRPr sz="1200"/>
+              <a:defRPr sz="1300"/>
             </a:lvl1pPr>
           </a:lstStyle>
           <a:p>
@@ -241,23 +242,24 @@
         </p:nvSpPr>
         <p:spPr>
           <a:xfrm>
-            <a:off x="3884613" y="8685213"/>
-            <a:ext cx="2971800" cy="457200"/>
+            <a:off x="3901698" y="9517546"/>
+            <a:ext cx="2984871" cy="501015"/>
           </a:xfrm>
           <a:prstGeom prst="rect">
             <a:avLst/>
           </a:prstGeom>
         </p:spPr>
         <p:txBody>
-          <a:bodyPr vert="horz" lIns="91440" tIns="45720" rIns="91440" bIns="45720" rtlCol="0" anchor="b"/>
+          <a:bodyPr vert="horz" lIns="96616" tIns="48308" rIns="96616" bIns="48308" rtlCol="0" anchor="b"/>
           <a:lstStyle>
             <a:lvl1pPr algn="r">
-              <a:defRPr sz="1200"/>
+              <a:defRPr sz="1300"/>
             </a:lvl1pPr>
           </a:lstStyle>
           <a:p>
             <a:fld id="{D1A37EDF-CC6B-4CBF-973E-2446E9F12A41}" type="slidenum">
               <a:rPr lang="fr-FR" smtClean="0"/>
+              <a:pPr/>
               <a:t>‹#›</a:t>
             </a:fld>
             <a:endParaRPr lang="fr-FR"/>
@@ -456,7 +458,8 @@
           <a:p>
             <a:fld id="{BA836581-EAD9-4627-8B13-54FADF4EB81E}" type="datetimeFigureOut">
               <a:rPr lang="fr-FR" smtClean="0"/>
-              <a:t>13/05/14</a:t>
+              <a:pPr/>
+              <a:t>14/05/2014</a:t>
             </a:fld>
             <a:endParaRPr lang="fr-FR"/>
           </a:p>
@@ -498,6 +501,7 @@
           <a:p>
             <a:fld id="{9C9AA208-67CA-4BCC-8F0A-B7D1DD6F5DF5}" type="slidenum">
               <a:rPr lang="fr-FR" smtClean="0"/>
+              <a:pPr/>
               <a:t>‹#›</a:t>
             </a:fld>
             <a:endParaRPr lang="fr-FR"/>
@@ -621,7 +625,8 @@
           <a:p>
             <a:fld id="{BA836581-EAD9-4627-8B13-54FADF4EB81E}" type="datetimeFigureOut">
               <a:rPr lang="fr-FR" smtClean="0"/>
-              <a:t>13/05/14</a:t>
+              <a:pPr/>
+              <a:t>14/05/2014</a:t>
             </a:fld>
             <a:endParaRPr lang="fr-FR"/>
           </a:p>
@@ -663,6 +668,7 @@
           <a:p>
             <a:fld id="{9C9AA208-67CA-4BCC-8F0A-B7D1DD6F5DF5}" type="slidenum">
               <a:rPr lang="fr-FR" smtClean="0"/>
+              <a:pPr/>
               <a:t>‹#›</a:t>
             </a:fld>
             <a:endParaRPr lang="fr-FR"/>
@@ -796,7 +802,8 @@
           <a:p>
             <a:fld id="{BA836581-EAD9-4627-8B13-54FADF4EB81E}" type="datetimeFigureOut">
               <a:rPr lang="fr-FR" smtClean="0"/>
-              <a:t>13/05/14</a:t>
+              <a:pPr/>
+              <a:t>14/05/2014</a:t>
             </a:fld>
             <a:endParaRPr lang="fr-FR"/>
           </a:p>
@@ -838,6 +845,7 @@
           <a:p>
             <a:fld id="{9C9AA208-67CA-4BCC-8F0A-B7D1DD6F5DF5}" type="slidenum">
               <a:rPr lang="fr-FR" smtClean="0"/>
+              <a:pPr/>
               <a:t>‹#›</a:t>
             </a:fld>
             <a:endParaRPr lang="fr-FR"/>
@@ -961,7 +969,8 @@
           <a:p>
             <a:fld id="{BA836581-EAD9-4627-8B13-54FADF4EB81E}" type="datetimeFigureOut">
               <a:rPr lang="fr-FR" smtClean="0"/>
-              <a:t>13/05/14</a:t>
+              <a:pPr/>
+              <a:t>14/05/2014</a:t>
             </a:fld>
             <a:endParaRPr lang="fr-FR"/>
           </a:p>
@@ -1003,6 +1012,7 @@
           <a:p>
             <a:fld id="{9C9AA208-67CA-4BCC-8F0A-B7D1DD6F5DF5}" type="slidenum">
               <a:rPr lang="fr-FR" smtClean="0"/>
+              <a:pPr/>
               <a:t>‹#›</a:t>
             </a:fld>
             <a:endParaRPr lang="fr-FR"/>
@@ -1202,7 +1212,8 @@
           <a:p>
             <a:fld id="{BA836581-EAD9-4627-8B13-54FADF4EB81E}" type="datetimeFigureOut">
               <a:rPr lang="fr-FR" smtClean="0"/>
-              <a:t>13/05/14</a:t>
+              <a:pPr/>
+              <a:t>14/05/2014</a:t>
             </a:fld>
             <a:endParaRPr lang="fr-FR"/>
           </a:p>
@@ -1244,6 +1255,7 @@
           <a:p>
             <a:fld id="{9C9AA208-67CA-4BCC-8F0A-B7D1DD6F5DF5}" type="slidenum">
               <a:rPr lang="fr-FR" smtClean="0"/>
+              <a:pPr/>
               <a:t>‹#›</a:t>
             </a:fld>
             <a:endParaRPr lang="fr-FR"/>
@@ -1485,7 +1497,8 @@
           <a:p>
             <a:fld id="{BA836581-EAD9-4627-8B13-54FADF4EB81E}" type="datetimeFigureOut">
               <a:rPr lang="fr-FR" smtClean="0"/>
-              <a:t>13/05/14</a:t>
+              <a:pPr/>
+              <a:t>14/05/2014</a:t>
             </a:fld>
             <a:endParaRPr lang="fr-FR"/>
           </a:p>
@@ -1527,6 +1540,7 @@
           <a:p>
             <a:fld id="{9C9AA208-67CA-4BCC-8F0A-B7D1DD6F5DF5}" type="slidenum">
               <a:rPr lang="fr-FR" smtClean="0"/>
+              <a:pPr/>
               <a:t>‹#›</a:t>
             </a:fld>
             <a:endParaRPr lang="fr-FR"/>
@@ -1902,7 +1916,8 @@
           <a:p>
             <a:fld id="{BA836581-EAD9-4627-8B13-54FADF4EB81E}" type="datetimeFigureOut">
               <a:rPr lang="fr-FR" smtClean="0"/>
-              <a:t>13/05/14</a:t>
+              <a:pPr/>
+              <a:t>14/05/2014</a:t>
             </a:fld>
             <a:endParaRPr lang="fr-FR"/>
           </a:p>
@@ -1944,6 +1959,7 @@
           <a:p>
             <a:fld id="{9C9AA208-67CA-4BCC-8F0A-B7D1DD6F5DF5}" type="slidenum">
               <a:rPr lang="fr-FR" smtClean="0"/>
+              <a:pPr/>
               <a:t>‹#›</a:t>
             </a:fld>
             <a:endParaRPr lang="fr-FR"/>
@@ -2015,7 +2031,8 @@
           <a:p>
             <a:fld id="{BA836581-EAD9-4627-8B13-54FADF4EB81E}" type="datetimeFigureOut">
               <a:rPr lang="fr-FR" smtClean="0"/>
-              <a:t>13/05/14</a:t>
+              <a:pPr/>
+              <a:t>14/05/2014</a:t>
             </a:fld>
             <a:endParaRPr lang="fr-FR"/>
           </a:p>
@@ -2057,6 +2074,7 @@
           <a:p>
             <a:fld id="{9C9AA208-67CA-4BCC-8F0A-B7D1DD6F5DF5}" type="slidenum">
               <a:rPr lang="fr-FR" smtClean="0"/>
+              <a:pPr/>
               <a:t>‹#›</a:t>
             </a:fld>
             <a:endParaRPr lang="fr-FR"/>
@@ -2105,7 +2123,8 @@
           <a:p>
             <a:fld id="{BA836581-EAD9-4627-8B13-54FADF4EB81E}" type="datetimeFigureOut">
               <a:rPr lang="fr-FR" smtClean="0"/>
-              <a:t>13/05/14</a:t>
+              <a:pPr/>
+              <a:t>14/05/2014</a:t>
             </a:fld>
             <a:endParaRPr lang="fr-FR"/>
           </a:p>
@@ -2147,6 +2166,7 @@
           <a:p>
             <a:fld id="{9C9AA208-67CA-4BCC-8F0A-B7D1DD6F5DF5}" type="slidenum">
               <a:rPr lang="fr-FR" smtClean="0"/>
+              <a:pPr/>
               <a:t>‹#›</a:t>
             </a:fld>
             <a:endParaRPr lang="fr-FR"/>
@@ -2377,7 +2397,8 @@
           <a:p>
             <a:fld id="{BA836581-EAD9-4627-8B13-54FADF4EB81E}" type="datetimeFigureOut">
               <a:rPr lang="fr-FR" smtClean="0"/>
-              <a:t>13/05/14</a:t>
+              <a:pPr/>
+              <a:t>14/05/2014</a:t>
             </a:fld>
             <a:endParaRPr lang="fr-FR"/>
           </a:p>
@@ -2419,6 +2440,7 @@
           <a:p>
             <a:fld id="{9C9AA208-67CA-4BCC-8F0A-B7D1DD6F5DF5}" type="slidenum">
               <a:rPr lang="fr-FR" smtClean="0"/>
+              <a:pPr/>
               <a:t>‹#›</a:t>
             </a:fld>
             <a:endParaRPr lang="fr-FR"/>
@@ -2625,7 +2647,8 @@
           <a:p>
             <a:fld id="{BA836581-EAD9-4627-8B13-54FADF4EB81E}" type="datetimeFigureOut">
               <a:rPr lang="fr-FR" smtClean="0"/>
-              <a:t>13/05/14</a:t>
+              <a:pPr/>
+              <a:t>14/05/2014</a:t>
             </a:fld>
             <a:endParaRPr lang="fr-FR"/>
           </a:p>
@@ -2667,6 +2690,7 @@
           <a:p>
             <a:fld id="{9C9AA208-67CA-4BCC-8F0A-B7D1DD6F5DF5}" type="slidenum">
               <a:rPr lang="fr-FR" smtClean="0"/>
+              <a:pPr/>
               <a:t>‹#›</a:t>
             </a:fld>
             <a:endParaRPr lang="fr-FR"/>
@@ -2833,7 +2857,8 @@
           <a:p>
             <a:fld id="{BA836581-EAD9-4627-8B13-54FADF4EB81E}" type="datetimeFigureOut">
               <a:rPr lang="fr-FR" smtClean="0"/>
-              <a:t>13/05/14</a:t>
+              <a:pPr/>
+              <a:t>14/05/2014</a:t>
             </a:fld>
             <a:endParaRPr lang="fr-FR"/>
           </a:p>
@@ -2911,6 +2936,7 @@
           <a:p>
             <a:fld id="{9C9AA208-67CA-4BCC-8F0A-B7D1DD6F5DF5}" type="slidenum">
               <a:rPr lang="fr-FR" smtClean="0"/>
+              <a:pPr/>
               <a:t>‹#›</a:t>
             </a:fld>
             <a:endParaRPr lang="fr-FR"/>
@@ -3211,8 +3237,8 @@
         </p:nvSpPr>
         <p:spPr>
           <a:xfrm>
-            <a:off x="404664" y="539552"/>
-            <a:ext cx="2232248" cy="461665"/>
+            <a:off x="404664" y="467544"/>
+            <a:ext cx="2664296" cy="523220"/>
           </a:xfrm>
           <a:prstGeom prst="rect">
             <a:avLst/>
@@ -3226,7 +3252,7 @@
           <a:lstStyle/>
           <a:p>
             <a:r>
-              <a:rPr lang="fr-FR" sz="2400" b="1" dirty="0" smtClean="0">
+              <a:rPr lang="fr-FR" sz="2800" b="1" dirty="0" smtClean="0">
                 <a:solidFill>
                   <a:schemeClr val="tx2"/>
                 </a:solidFill>
@@ -3234,14 +3260,14 @@
               <a:t>Thomas </a:t>
             </a:r>
             <a:r>
-              <a:rPr lang="fr-FR" sz="2400" b="1" dirty="0" err="1" smtClean="0">
+              <a:rPr lang="fr-FR" sz="2800" b="1" dirty="0" err="1" smtClean="0">
                 <a:solidFill>
                   <a:schemeClr val="tx2"/>
                 </a:solidFill>
               </a:rPr>
               <a:t>Lepetit</a:t>
             </a:r>
-            <a:endParaRPr lang="fr-FR" sz="2400" b="1" dirty="0">
+            <a:endParaRPr lang="fr-FR" sz="2800" b="1" dirty="0">
               <a:solidFill>
                 <a:schemeClr val="tx2"/>
               </a:solidFill>
@@ -3257,8 +3283,8 @@
         </p:nvSpPr>
         <p:spPr>
           <a:xfrm>
-            <a:off x="4149080" y="467544"/>
-            <a:ext cx="2232248" cy="738664"/>
+            <a:off x="3914694" y="467544"/>
+            <a:ext cx="2701020" cy="738664"/>
           </a:xfrm>
           <a:prstGeom prst="rect">
             <a:avLst/>
@@ -3266,33 +3292,47 @@
           <a:noFill/>
         </p:spPr>
         <p:txBody>
-          <a:bodyPr wrap="square" rtlCol="0">
+          <a:bodyPr wrap="square" lIns="0" tIns="0" rIns="0" bIns="0" rtlCol="0">
             <a:spAutoFit/>
           </a:bodyPr>
           <a:lstStyle/>
           <a:p>
-            <a:r>
-              <a:rPr lang="fr-FR" sz="1400" dirty="0" smtClean="0"/>
+            <a:pPr algn="r"/>
+            <a:r>
+              <a:rPr lang="fr-FR" sz="1200" dirty="0" smtClean="0"/>
               <a:t>8 rue </a:t>
             </a:r>
             <a:r>
-              <a:rPr lang="fr-FR" sz="1400" dirty="0" err="1" smtClean="0"/>
+              <a:rPr lang="fr-FR" sz="1200" dirty="0" err="1" smtClean="0"/>
               <a:t>Meissonier</a:t>
             </a:r>
-            <a:endParaRPr lang="fr-FR" sz="1400" dirty="0" smtClean="0"/>
-          </a:p>
-          <a:p>
-            <a:r>
-              <a:rPr lang="fr-FR" sz="1400" dirty="0" smtClean="0"/>
-              <a:t>75017 Paris</a:t>
-            </a:r>
-          </a:p>
-          <a:p>
-            <a:r>
-              <a:rPr lang="fr-FR" sz="1400" dirty="0" smtClean="0"/>
+            <a:endParaRPr lang="fr-FR" sz="1200" dirty="0" smtClean="0"/>
+          </a:p>
+          <a:p>
+            <a:pPr algn="r"/>
+            <a:r>
+              <a:rPr lang="fr-FR" sz="1200" dirty="0" smtClean="0"/>
+              <a:t>75017 Paris, France</a:t>
+            </a:r>
+          </a:p>
+          <a:p>
+            <a:pPr algn="r"/>
+            <a:r>
+              <a:rPr lang="fr-FR" sz="1200" i="1" dirty="0" smtClean="0"/>
               <a:t>(+33) 6 59 65 37 44</a:t>
             </a:r>
-            <a:endParaRPr lang="fr-FR" sz="1400" dirty="0"/>
+          </a:p>
+          <a:p>
+            <a:pPr algn="r"/>
+            <a:r>
+              <a:rPr lang="fr-FR" sz="1200" i="1" dirty="0"/>
+              <a:t>t</a:t>
+            </a:r>
+            <a:r>
+              <a:rPr lang="fr-FR" sz="1200" i="1" dirty="0" smtClean="0"/>
+              <a:t>homas.lepetit1990@gmail.com</a:t>
+            </a:r>
+            <a:endParaRPr lang="fr-FR" sz="1200" i="1" dirty="0"/>
           </a:p>
         </p:txBody>
       </p:sp>
@@ -3304,8 +3344,8 @@
         </p:nvSpPr>
         <p:spPr>
           <a:xfrm>
-            <a:off x="404664" y="1547664"/>
-            <a:ext cx="2232248" cy="369332"/>
+            <a:off x="404664" y="1331640"/>
+            <a:ext cx="2232248" cy="338554"/>
           </a:xfrm>
           <a:prstGeom prst="rect">
             <a:avLst/>
@@ -3319,14 +3359,14 @@
           <a:lstStyle/>
           <a:p>
             <a:r>
-              <a:rPr lang="fr-FR" b="1" dirty="0" smtClean="0">
+              <a:rPr lang="fr-FR" sz="1600" b="1" dirty="0" smtClean="0">
                 <a:solidFill>
                   <a:schemeClr val="tx2"/>
                 </a:solidFill>
               </a:rPr>
               <a:t>Formation</a:t>
             </a:r>
-            <a:endParaRPr lang="fr-FR" b="1" dirty="0">
+            <a:endParaRPr lang="fr-FR" sz="1600" b="1" dirty="0">
               <a:solidFill>
                 <a:schemeClr val="tx2"/>
               </a:solidFill>
@@ -3342,8 +3382,8 @@
         </p:nvSpPr>
         <p:spPr>
           <a:xfrm>
-            <a:off x="404664" y="4355976"/>
-            <a:ext cx="2232248" cy="369332"/>
+            <a:off x="404664" y="4644008"/>
+            <a:ext cx="2232248" cy="338554"/>
           </a:xfrm>
           <a:prstGeom prst="rect">
             <a:avLst/>
@@ -3357,14 +3397,14 @@
           <a:lstStyle/>
           <a:p>
             <a:r>
-              <a:rPr lang="fr-FR" b="1" dirty="0" smtClean="0">
+              <a:rPr lang="fr-FR" sz="1600" b="1" dirty="0" smtClean="0">
                 <a:solidFill>
                   <a:schemeClr val="tx2"/>
                 </a:solidFill>
               </a:rPr>
               <a:t>Expériences</a:t>
             </a:r>
-            <a:endParaRPr lang="fr-FR" b="1" dirty="0">
+            <a:endParaRPr lang="fr-FR" sz="1600" b="1" dirty="0">
               <a:solidFill>
                 <a:schemeClr val="tx2"/>
               </a:solidFill>
@@ -3380,8 +3420,8 @@
         </p:nvSpPr>
         <p:spPr>
           <a:xfrm>
-            <a:off x="404664" y="6813540"/>
-            <a:ext cx="2232248" cy="369332"/>
+            <a:off x="404664" y="7884368"/>
+            <a:ext cx="2232248" cy="338554"/>
           </a:xfrm>
           <a:prstGeom prst="rect">
             <a:avLst/>
@@ -3395,14 +3435,14 @@
           <a:lstStyle/>
           <a:p>
             <a:r>
-              <a:rPr lang="fr-FR" b="1" dirty="0" smtClean="0">
+              <a:rPr lang="fr-FR" sz="1600" b="1" dirty="0" smtClean="0">
                 <a:solidFill>
                   <a:schemeClr val="tx2"/>
                 </a:solidFill>
               </a:rPr>
               <a:t>Hobbies</a:t>
             </a:r>
-            <a:endParaRPr lang="fr-FR" b="1" dirty="0">
+            <a:endParaRPr lang="fr-FR" sz="1600" b="1" dirty="0">
               <a:solidFill>
                 <a:schemeClr val="tx2"/>
               </a:solidFill>
@@ -3418,8 +3458,8 @@
         </p:nvSpPr>
         <p:spPr>
           <a:xfrm>
-            <a:off x="404664" y="5085348"/>
-            <a:ext cx="2474776" cy="369332"/>
+            <a:off x="404664" y="5796136"/>
+            <a:ext cx="3888432" cy="338554"/>
           </a:xfrm>
           <a:prstGeom prst="rect">
             <a:avLst/>
@@ -3433,14 +3473,14 @@
           <a:lstStyle/>
           <a:p>
             <a:r>
-              <a:rPr lang="fr-FR" b="1" dirty="0" smtClean="0">
+              <a:rPr lang="fr-FR" sz="1600" b="1" dirty="0" smtClean="0">
                 <a:solidFill>
                   <a:schemeClr val="tx2"/>
                 </a:solidFill>
               </a:rPr>
-              <a:t>Langages informatiques</a:t>
-            </a:r>
-            <a:endParaRPr lang="fr-FR" b="1" dirty="0">
+              <a:t>Compétences informatiques</a:t>
+            </a:r>
+            <a:endParaRPr lang="fr-FR" sz="1600" b="1" dirty="0">
               <a:solidFill>
                 <a:schemeClr val="tx2"/>
               </a:solidFill>
@@ -3456,8 +3496,8 @@
         </p:nvSpPr>
         <p:spPr>
           <a:xfrm>
-            <a:off x="404664" y="6012160"/>
-            <a:ext cx="4464496" cy="369332"/>
+            <a:off x="404664" y="7092280"/>
+            <a:ext cx="4464496" cy="338554"/>
           </a:xfrm>
           <a:prstGeom prst="rect">
             <a:avLst/>
@@ -3471,14 +3511,14 @@
           <a:lstStyle/>
           <a:p>
             <a:r>
-              <a:rPr lang="fr-FR" b="1" dirty="0" smtClean="0">
+              <a:rPr lang="fr-FR" sz="1600" b="1" dirty="0" smtClean="0">
                 <a:solidFill>
                   <a:schemeClr val="tx2"/>
                 </a:solidFill>
               </a:rPr>
-              <a:t>Langues/Compétences bureautiques</a:t>
-            </a:r>
-            <a:endParaRPr lang="fr-FR" b="1" dirty="0">
+              <a:t>Langues</a:t>
+            </a:r>
+            <a:endParaRPr lang="fr-FR" sz="1600" b="1" dirty="0">
               <a:solidFill>
                 <a:schemeClr val="tx2"/>
               </a:solidFill>
@@ -3494,8 +3534,8 @@
         </p:nvSpPr>
         <p:spPr>
           <a:xfrm>
-            <a:off x="1556792" y="1907704"/>
-            <a:ext cx="3960440" cy="830997"/>
+            <a:off x="1556792" y="1691680"/>
+            <a:ext cx="4824536" cy="1169551"/>
           </a:xfrm>
           <a:prstGeom prst="rect">
             <a:avLst/>
@@ -3510,8 +3550,23 @@
           <a:p>
             <a:pPr marL="185738" indent="-185738"/>
             <a:r>
-              <a:rPr lang="fr-FR" sz="1200" b="1" dirty="0" smtClean="0"/>
-              <a:t>Première année à l’école 42, Paris</a:t>
+              <a:rPr lang="fr-FR" sz="1000" b="1" dirty="0" smtClean="0"/>
+              <a:t>ECOLE 42</a:t>
+            </a:r>
+            <a:r>
+              <a:rPr lang="fr-FR" sz="1000" b="1" dirty="0" smtClean="0"/>
+              <a:t>, </a:t>
+            </a:r>
+            <a:r>
+              <a:rPr lang="fr-FR" sz="1000" dirty="0" smtClean="0"/>
+              <a:t>Paris</a:t>
+            </a:r>
+          </a:p>
+          <a:p>
+            <a:pPr marL="185738" indent="-185738"/>
+            <a:r>
+              <a:rPr lang="fr-FR" sz="1000" dirty="0" smtClean="0"/>
+              <a:t>Première année de formation à la programmation</a:t>
             </a:r>
           </a:p>
           <a:p>
@@ -3520,9 +3575,26 @@
               <a:buChar char="§"/>
             </a:pPr>
             <a:r>
-              <a:rPr lang="fr-FR" sz="1200" dirty="0" smtClean="0"/>
-              <a:t>Module d’apprentissage de C</a:t>
-            </a:r>
+              <a:rPr lang="fr-FR" sz="1000" dirty="0" smtClean="0"/>
+              <a:t>Module d’apprentissage de C: réécriture d’un </a:t>
+            </a:r>
+            <a:r>
+              <a:rPr lang="fr-FR" sz="1000" dirty="0" err="1" smtClean="0"/>
+              <a:t>shell</a:t>
+            </a:r>
+            <a:r>
+              <a:rPr lang="fr-FR" sz="1000" dirty="0" smtClean="0"/>
+              <a:t> </a:t>
+            </a:r>
+            <a:r>
+              <a:rPr lang="fr-FR" sz="1000" dirty="0" smtClean="0"/>
+              <a:t>basique</a:t>
+            </a:r>
+            <a:endParaRPr lang="fr-FR" sz="1000" dirty="0" smtClean="0">
+              <a:solidFill>
+                <a:srgbClr val="FF0000"/>
+              </a:solidFill>
+            </a:endParaRPr>
           </a:p>
           <a:p>
             <a:pPr marL="185738" indent="-185738">
@@ -3530,12 +3602,16 @@
               <a:buChar char="§"/>
             </a:pPr>
             <a:r>
-              <a:rPr lang="fr-FR" sz="1200" dirty="0" smtClean="0"/>
-              <a:t>Module de d</a:t>
-            </a:r>
-            <a:r>
-              <a:rPr lang="fr-FR" sz="1200" dirty="0" smtClean="0"/>
-              <a:t>éveloppement web</a:t>
+              <a:rPr lang="fr-FR" sz="1000" dirty="0" smtClean="0"/>
+              <a:t>Module de développement web: utilisation d’un </a:t>
+            </a:r>
+            <a:r>
+              <a:rPr lang="fr-FR" sz="1000" dirty="0" err="1" smtClean="0"/>
+              <a:t>framework</a:t>
+            </a:r>
+            <a:r>
+              <a:rPr lang="fr-FR" sz="1000" dirty="0" smtClean="0"/>
+              <a:t>, mise en place d’un site d’e-commerce</a:t>
             </a:r>
           </a:p>
           <a:p>
@@ -3544,18 +3620,38 @@
               <a:buChar char="§"/>
             </a:pPr>
             <a:r>
-              <a:rPr lang="fr-FR" sz="1200" dirty="0" smtClean="0"/>
-              <a:t>Première approche en </a:t>
-            </a:r>
-            <a:r>
-              <a:rPr lang="fr-FR" sz="1200" dirty="0" err="1" smtClean="0"/>
+              <a:rPr lang="fr-FR" sz="1000" dirty="0" smtClean="0"/>
+              <a:t>Introduction à l’</a:t>
+            </a:r>
+            <a:r>
+              <a:rPr lang="fr-FR" sz="1000" dirty="0" err="1" smtClean="0"/>
               <a:t>algorithmie</a:t>
             </a:r>
             <a:r>
-              <a:rPr lang="fr-FR" sz="1200" dirty="0" smtClean="0"/>
-              <a:t> et en infographie</a:t>
-            </a:r>
-            <a:endParaRPr lang="fr-FR" sz="1200" dirty="0" smtClean="0"/>
+              <a:rPr lang="fr-FR" sz="1000" dirty="0" smtClean="0"/>
+              <a:t> et à </a:t>
+            </a:r>
+            <a:r>
+              <a:rPr lang="fr-FR" sz="1000" dirty="0" smtClean="0"/>
+              <a:t>l’infographie : </a:t>
+            </a:r>
+            <a:r>
+              <a:rPr lang="fr-FR" sz="1000" dirty="0" smtClean="0"/>
+              <a:t>emploi des arbres, listes et tables de </a:t>
+            </a:r>
+            <a:r>
+              <a:rPr lang="fr-FR" sz="1000" dirty="0" err="1" smtClean="0"/>
+              <a:t>hashage</a:t>
+            </a:r>
+            <a:r>
+              <a:rPr lang="fr-FR" sz="1000" dirty="0" smtClean="0"/>
+              <a:t>, réalisation d’un </a:t>
+            </a:r>
+            <a:r>
+              <a:rPr lang="fr-FR" sz="1000" dirty="0" err="1" smtClean="0"/>
+              <a:t>raytracer</a:t>
+            </a:r>
+            <a:endParaRPr lang="fr-FR" sz="1000" dirty="0" smtClean="0"/>
           </a:p>
         </p:txBody>
       </p:sp>
@@ -3567,8 +3663,8 @@
         </p:nvSpPr>
         <p:spPr>
           <a:xfrm>
-            <a:off x="620688" y="1907704"/>
-            <a:ext cx="936104" cy="276999"/>
+            <a:off x="620688" y="1691680"/>
+            <a:ext cx="936104" cy="246221"/>
           </a:xfrm>
           <a:prstGeom prst="rect">
             <a:avLst/>
@@ -3583,7 +3679,7 @@
           <a:p>
             <a:pPr marL="185738" indent="-185738"/>
             <a:r>
-              <a:rPr lang="fr-FR" sz="1200" b="1" dirty="0" smtClean="0"/>
+              <a:rPr lang="fr-FR" sz="1000" b="1" dirty="0" smtClean="0"/>
               <a:t>2012-2013</a:t>
             </a:r>
           </a:p>
@@ -3591,14 +3687,14 @@
       </p:sp>
       <p:sp>
         <p:nvSpPr>
-          <p:cNvPr id="14" name="ZoneTexte 13"/>
+          <p:cNvPr id="17" name="ZoneTexte 16"/>
           <p:cNvSpPr txBox="1"/>
           <p:nvPr/>
         </p:nvSpPr>
         <p:spPr>
           <a:xfrm>
-            <a:off x="1556792" y="2738701"/>
-            <a:ext cx="3960440" cy="276999"/>
+            <a:off x="620688" y="3506979"/>
+            <a:ext cx="936104" cy="246221"/>
           </a:xfrm>
           <a:prstGeom prst="rect">
             <a:avLst/>
@@ -3613,27 +3709,22 @@
           <a:p>
             <a:pPr marL="185738" indent="-185738"/>
             <a:r>
-              <a:rPr lang="fr-FR" sz="1200" b="1" dirty="0" smtClean="0"/>
-              <a:t>Travail en int</a:t>
-            </a:r>
-            <a:r>
-              <a:rPr lang="fr-FR" sz="1200" b="1" dirty="0" smtClean="0"/>
-              <a:t>érim</a:t>
-            </a:r>
-            <a:endParaRPr lang="fr-FR" sz="1200" dirty="0"/>
-          </a:p>
-        </p:txBody>
-      </p:sp>
-      <p:sp>
-        <p:nvSpPr>
-          <p:cNvPr id="15" name="ZoneTexte 14"/>
+              <a:rPr lang="fr-FR" sz="1000" b="1" dirty="0" smtClean="0"/>
+              <a:t>2007-2009</a:t>
+            </a:r>
+          </a:p>
+        </p:txBody>
+      </p:sp>
+      <p:sp>
+        <p:nvSpPr>
+          <p:cNvPr id="18" name="ZoneTexte 17"/>
           <p:cNvSpPr txBox="1"/>
           <p:nvPr/>
         </p:nvSpPr>
         <p:spPr>
           <a:xfrm>
-            <a:off x="620688" y="2738701"/>
-            <a:ext cx="936104" cy="276999"/>
+            <a:off x="1556792" y="5353046"/>
+            <a:ext cx="3960440" cy="400110"/>
           </a:xfrm>
           <a:prstGeom prst="rect">
             <a:avLst/>
@@ -3648,23 +3739,46 @@
           <a:p>
             <a:pPr marL="185738" indent="-185738"/>
             <a:r>
-              <a:rPr lang="fr-FR" sz="1200" b="1" dirty="0" smtClean="0"/>
-              <a:t>2011-2012</a:t>
-            </a:r>
-            <a:endParaRPr lang="fr-FR" sz="1200" b="1" dirty="0" smtClean="0"/>
-          </a:p>
-        </p:txBody>
-      </p:sp>
-      <p:sp>
-        <p:nvSpPr>
-          <p:cNvPr id="17" name="ZoneTexte 16"/>
+              <a:rPr lang="fr-FR" sz="1000" b="1" dirty="0" smtClean="0"/>
+              <a:t>Hôtel  </a:t>
+            </a:r>
+            <a:r>
+              <a:rPr lang="fr-FR" sz="1000" b="1" dirty="0" smtClean="0"/>
+              <a:t>de la chaîne Tokyo Inn, </a:t>
+            </a:r>
+            <a:r>
+              <a:rPr lang="fr-FR" sz="1000" dirty="0" smtClean="0"/>
+              <a:t>Tokyo</a:t>
+            </a:r>
+          </a:p>
+          <a:p>
+            <a:pPr marL="185738" indent="-185738"/>
+            <a:r>
+              <a:rPr lang="fr-FR" sz="1000" dirty="0" smtClean="0"/>
+              <a:t>Stage : accueil </a:t>
+            </a:r>
+            <a:r>
+              <a:rPr lang="fr-FR" sz="1000" dirty="0" smtClean="0"/>
+              <a:t>des clients, entretien</a:t>
+            </a:r>
+            <a:endParaRPr lang="fr-FR" sz="1000" dirty="0" smtClean="0">
+              <a:solidFill>
+                <a:srgbClr val="FF0000"/>
+              </a:solidFill>
+            </a:endParaRPr>
+          </a:p>
+        </p:txBody>
+      </p:sp>
+      <p:sp>
+        <p:nvSpPr>
+          <p:cNvPr id="19" name="ZoneTexte 18"/>
           <p:cNvSpPr txBox="1"/>
           <p:nvPr/>
         </p:nvSpPr>
         <p:spPr>
           <a:xfrm>
-            <a:off x="620688" y="3530789"/>
-            <a:ext cx="936104" cy="276999"/>
+            <a:off x="620688" y="5353046"/>
+            <a:ext cx="944488" cy="246221"/>
           </a:xfrm>
           <a:prstGeom prst="rect">
             <a:avLst/>
@@ -3679,23 +3793,22 @@
           <a:p>
             <a:pPr marL="185738" indent="-185738"/>
             <a:r>
-              <a:rPr lang="fr-FR" sz="1200" b="1" dirty="0" smtClean="0"/>
-              <a:t>2007-2009</a:t>
-            </a:r>
-            <a:endParaRPr lang="fr-FR" sz="1200" b="1" dirty="0" smtClean="0"/>
-          </a:p>
-        </p:txBody>
-      </p:sp>
-      <p:sp>
-        <p:nvSpPr>
-          <p:cNvPr id="18" name="ZoneTexte 17"/>
+              <a:rPr lang="fr-FR" sz="1000" b="1" dirty="0" smtClean="0"/>
+              <a:t>Eté 2010</a:t>
+            </a:r>
+          </a:p>
+        </p:txBody>
+      </p:sp>
+      <p:sp>
+        <p:nvSpPr>
+          <p:cNvPr id="20" name="ZoneTexte 19"/>
           <p:cNvSpPr txBox="1"/>
           <p:nvPr/>
         </p:nvSpPr>
         <p:spPr>
           <a:xfrm>
-            <a:off x="1556792" y="3170749"/>
-            <a:ext cx="3960440" cy="276999"/>
+            <a:off x="620688" y="4106853"/>
+            <a:ext cx="936104" cy="246221"/>
           </a:xfrm>
           <a:prstGeom prst="rect">
             <a:avLst/>
@@ -3710,27 +3823,22 @@
           <a:p>
             <a:pPr marL="185738" indent="-185738"/>
             <a:r>
-              <a:rPr lang="fr-FR" sz="1200" b="1" dirty="0" smtClean="0"/>
-              <a:t>Formation ing</a:t>
-            </a:r>
-            <a:r>
-              <a:rPr lang="fr-FR" sz="1200" b="1" dirty="0" smtClean="0"/>
-              <a:t>énieur à l’école Centrale Nantes</a:t>
-            </a:r>
-            <a:endParaRPr lang="fr-FR" sz="1200" dirty="0"/>
-          </a:p>
-        </p:txBody>
-      </p:sp>
-      <p:sp>
-        <p:nvSpPr>
-          <p:cNvPr id="19" name="ZoneTexte 18"/>
+              <a:rPr lang="fr-FR" sz="1000" b="1" dirty="0" smtClean="0"/>
+              <a:t>2004-2007</a:t>
+            </a:r>
+          </a:p>
+        </p:txBody>
+      </p:sp>
+      <p:sp>
+        <p:nvSpPr>
+          <p:cNvPr id="21" name="ZoneTexte 20"/>
           <p:cNvSpPr txBox="1"/>
           <p:nvPr/>
         </p:nvSpPr>
         <p:spPr>
           <a:xfrm>
-            <a:off x="620688" y="3170749"/>
-            <a:ext cx="944488" cy="276999"/>
+            <a:off x="1556792" y="3506979"/>
+            <a:ext cx="5040560" cy="553998"/>
           </a:xfrm>
           <a:prstGeom prst="rect">
             <a:avLst/>
@@ -3745,23 +3853,51 @@
           <a:p>
             <a:pPr marL="185738" indent="-185738"/>
             <a:r>
-              <a:rPr lang="fr-FR" sz="1200" b="1" dirty="0" smtClean="0"/>
-              <a:t>2009-2011</a:t>
-            </a:r>
-            <a:endParaRPr lang="fr-FR" sz="1200" b="1" dirty="0" smtClean="0"/>
-          </a:p>
-        </p:txBody>
-      </p:sp>
-      <p:sp>
-        <p:nvSpPr>
-          <p:cNvPr id="20" name="ZoneTexte 19"/>
+              <a:rPr lang="fr-FR" sz="1000" b="1" dirty="0" smtClean="0"/>
+              <a:t>Lycée Condorcet, </a:t>
+            </a:r>
+            <a:r>
+              <a:rPr lang="fr-FR" sz="1000" dirty="0" smtClean="0"/>
+              <a:t>Paris</a:t>
+            </a:r>
+          </a:p>
+          <a:p>
+            <a:pPr marL="185738" indent="-185738"/>
+            <a:r>
+              <a:rPr lang="fr-FR" sz="1000" dirty="0" smtClean="0"/>
+              <a:t>Classe préparatoire </a:t>
+            </a:r>
+            <a:r>
+              <a:rPr lang="fr-FR" sz="1000" dirty="0" smtClean="0"/>
+              <a:t>aux </a:t>
+            </a:r>
+            <a:r>
+              <a:rPr lang="fr-FR" sz="1000" dirty="0" smtClean="0"/>
+              <a:t>grandes écoles, option MP</a:t>
+            </a:r>
+          </a:p>
+          <a:p>
+            <a:pPr marL="185738" indent="-185738">
+              <a:buFont typeface="Wingdings" pitchFamily="2" charset="2"/>
+              <a:buChar char="§"/>
+            </a:pPr>
+            <a:r>
+              <a:rPr lang="fr-FR" sz="1000" dirty="0"/>
+              <a:t>Informatique théorique </a:t>
+            </a:r>
+          </a:p>
+        </p:txBody>
+      </p:sp>
+      <p:sp>
+        <p:nvSpPr>
+          <p:cNvPr id="22" name="ZoneTexte 21"/>
           <p:cNvSpPr txBox="1"/>
           <p:nvPr/>
         </p:nvSpPr>
         <p:spPr>
           <a:xfrm>
-            <a:off x="620688" y="3962837"/>
-            <a:ext cx="936104" cy="276999"/>
+            <a:off x="1556792" y="4106853"/>
+            <a:ext cx="5040560" cy="400110"/>
           </a:xfrm>
           <a:prstGeom prst="rect">
             <a:avLst/>
@@ -3776,23 +3912,38 @@
           <a:p>
             <a:pPr marL="185738" indent="-185738"/>
             <a:r>
-              <a:rPr lang="fr-FR" sz="1200" b="1" dirty="0" smtClean="0"/>
-              <a:t>Été 2007</a:t>
-            </a:r>
-            <a:endParaRPr lang="fr-FR" sz="1200" b="1" dirty="0" smtClean="0"/>
-          </a:p>
-        </p:txBody>
-      </p:sp>
-      <p:sp>
-        <p:nvSpPr>
-          <p:cNvPr id="21" name="ZoneTexte 20"/>
+              <a:rPr lang="fr-FR" sz="1000" b="1" dirty="0" smtClean="0"/>
+              <a:t>Lycée Carnot, </a:t>
+            </a:r>
+            <a:r>
+              <a:rPr lang="fr-FR" sz="1000" dirty="0" smtClean="0"/>
+              <a:t>Paris</a:t>
+            </a:r>
+          </a:p>
+          <a:p>
+            <a:pPr marL="185738" indent="-185738"/>
+            <a:r>
+              <a:rPr lang="fr-FR" sz="1000" dirty="0" smtClean="0"/>
+              <a:t>Bac S, mention </a:t>
+            </a:r>
+            <a:r>
+              <a:rPr lang="fr-FR" sz="1000" dirty="0" smtClean="0"/>
+              <a:t>Très Bien</a:t>
+            </a:r>
+            <a:endParaRPr lang="fr-FR" sz="1000" dirty="0"/>
+          </a:p>
+        </p:txBody>
+      </p:sp>
+      <p:sp>
+        <p:nvSpPr>
+          <p:cNvPr id="24" name="ZoneTexte 23"/>
           <p:cNvSpPr txBox="1"/>
           <p:nvPr/>
         </p:nvSpPr>
         <p:spPr>
           <a:xfrm>
-            <a:off x="1556792" y="3530789"/>
-            <a:ext cx="5040560" cy="461665"/>
+            <a:off x="476672" y="6156176"/>
+            <a:ext cx="5040560" cy="861774"/>
           </a:xfrm>
           <a:prstGeom prst="rect">
             <a:avLst/>
@@ -3805,43 +3956,90 @@
           </a:bodyPr>
           <a:lstStyle/>
           <a:p>
-            <a:pPr marL="185738" indent="-185738"/>
-            <a:r>
-              <a:rPr lang="fr-FR" sz="1200" b="1" dirty="0" smtClean="0"/>
-              <a:t>Classe pr</a:t>
-            </a:r>
-            <a:r>
-              <a:rPr lang="fr-FR" sz="1200" b="1" dirty="0" smtClean="0"/>
-              <a:t>éparatoire aux grandes écoles au lycée Condorcet, Paris</a:t>
-            </a:r>
-          </a:p>
-          <a:p>
             <a:pPr marL="185738" indent="-185738">
-              <a:buFont typeface="Arial"/>
-              <a:buChar char="•"/>
+              <a:buFont typeface="Wingdings" pitchFamily="2" charset="2"/>
+              <a:buChar char="§"/>
             </a:pPr>
             <a:r>
-              <a:rPr lang="fr-FR" sz="1200" dirty="0" smtClean="0"/>
-              <a:t>Informatique théorique</a:t>
-            </a:r>
-            <a:r>
-              <a:rPr lang="fr-FR" sz="1200" b="1" dirty="0" smtClean="0"/>
-              <a:t> </a:t>
-            </a:r>
-            <a:endParaRPr lang="fr-FR" sz="1200" dirty="0"/>
-          </a:p>
-        </p:txBody>
-      </p:sp>
-      <p:sp>
-        <p:nvSpPr>
-          <p:cNvPr id="22" name="ZoneTexte 21"/>
+              <a:rPr lang="fr-FR" sz="1000" dirty="0" smtClean="0"/>
+              <a:t>Développement : C (</a:t>
+            </a:r>
+            <a:r>
+              <a:rPr lang="fr-FR" sz="1000" dirty="0" smtClean="0"/>
+              <a:t>maîtrise</a:t>
+            </a:r>
+            <a:r>
+              <a:rPr lang="fr-FR" sz="1000" dirty="0" smtClean="0"/>
+              <a:t>), Ruby (basique)</a:t>
+            </a:r>
+            <a:endParaRPr lang="fr-FR" sz="1000" dirty="0"/>
+          </a:p>
+          <a:p>
+            <a:pPr marL="185738" indent="-185738">
+              <a:buFont typeface="Wingdings" pitchFamily="2" charset="2"/>
+              <a:buChar char="§"/>
+            </a:pPr>
+            <a:r>
+              <a:rPr lang="fr-FR" sz="1000" dirty="0" smtClean="0"/>
+              <a:t>Front-end : HTML5/CSS3/</a:t>
+            </a:r>
+            <a:r>
+              <a:rPr lang="fr-FR" sz="1000" dirty="0" err="1" smtClean="0"/>
+              <a:t>jQuery</a:t>
+            </a:r>
+            <a:endParaRPr lang="fr-FR" sz="1000" dirty="0" smtClean="0"/>
+          </a:p>
+          <a:p>
+            <a:pPr marL="185738" indent="-185738">
+              <a:buFont typeface="Wingdings" pitchFamily="2" charset="2"/>
+              <a:buChar char="§"/>
+            </a:pPr>
+            <a:r>
+              <a:rPr lang="fr-FR" sz="1000" dirty="0" smtClean="0"/>
+              <a:t>Back-end : PHP/MySQL</a:t>
+            </a:r>
+          </a:p>
+          <a:p>
+            <a:pPr marL="185738" indent="-185738">
+              <a:buFont typeface="Wingdings" pitchFamily="2" charset="2"/>
+              <a:buChar char="§"/>
+            </a:pPr>
+            <a:r>
+              <a:rPr lang="fr-FR" sz="1000" dirty="0" smtClean="0"/>
+              <a:t>Environnement Unix</a:t>
+            </a:r>
+          </a:p>
+          <a:p>
+            <a:pPr marL="185738" indent="-185738">
+              <a:buFont typeface="Wingdings" pitchFamily="2" charset="2"/>
+              <a:buChar char="§"/>
+            </a:pPr>
+            <a:r>
+              <a:rPr lang="fr-FR" sz="1000" dirty="0" smtClean="0"/>
+              <a:t>Framework : </a:t>
+            </a:r>
+            <a:r>
+              <a:rPr lang="fr-FR" sz="1000" dirty="0" err="1" smtClean="0"/>
+              <a:t>Symfony</a:t>
+            </a:r>
+            <a:r>
+              <a:rPr lang="fr-FR" sz="1000" dirty="0" smtClean="0"/>
+              <a:t>, Ruby on Rails</a:t>
+            </a:r>
+            <a:endParaRPr lang="fr-FR" sz="1000" dirty="0"/>
+          </a:p>
+        </p:txBody>
+      </p:sp>
+      <p:sp>
+        <p:nvSpPr>
+          <p:cNvPr id="25" name="ZoneTexte 24"/>
           <p:cNvSpPr txBox="1"/>
           <p:nvPr/>
         </p:nvSpPr>
         <p:spPr>
           <a:xfrm>
-            <a:off x="1556792" y="3962837"/>
-            <a:ext cx="5040560" cy="276999"/>
+            <a:off x="476672" y="7458858"/>
+            <a:ext cx="5040560" cy="400110"/>
           </a:xfrm>
           <a:prstGeom prst="rect">
             <a:avLst/>
@@ -3854,29 +4052,47 @@
           </a:bodyPr>
           <a:lstStyle/>
           <a:p>
-            <a:pPr marL="185738" indent="-185738"/>
-            <a:r>
-              <a:rPr lang="fr-FR" sz="1200" b="1" dirty="0" smtClean="0"/>
-              <a:t>Passage du bac S, mention tr</a:t>
-            </a:r>
-            <a:r>
-              <a:rPr lang="fr-FR" sz="1200" b="1" dirty="0" smtClean="0"/>
-              <a:t>ès bien</a:t>
-            </a:r>
-            <a:endParaRPr lang="fr-FR" sz="1200" dirty="0"/>
-          </a:p>
-        </p:txBody>
-      </p:sp>
-      <p:sp>
-        <p:nvSpPr>
-          <p:cNvPr id="24" name="ZoneTexte 23"/>
+            <a:pPr marL="185738" indent="-185738">
+              <a:buFont typeface="Wingdings" pitchFamily="2" charset="2"/>
+              <a:buChar char="§"/>
+            </a:pPr>
+            <a:r>
+              <a:rPr lang="fr-FR" sz="1000" dirty="0"/>
+              <a:t>Anglais </a:t>
+            </a:r>
+            <a:r>
+              <a:rPr lang="fr-FR" sz="1000" dirty="0" smtClean="0"/>
+              <a:t>: courant (plusieurs séjours d’un mois dans des pays anglo-saxons)</a:t>
+            </a:r>
+            <a:endParaRPr lang="fr-FR" sz="1000" dirty="0"/>
+          </a:p>
+          <a:p>
+            <a:pPr marL="185738" indent="-185738">
+              <a:buFont typeface="Wingdings" pitchFamily="2" charset="2"/>
+              <a:buChar char="§"/>
+            </a:pPr>
+            <a:r>
+              <a:rPr lang="fr-FR" sz="1000" dirty="0"/>
+              <a:t>Allemand </a:t>
+            </a:r>
+            <a:r>
+              <a:rPr lang="fr-FR" sz="1000" dirty="0" smtClean="0"/>
+              <a:t>: lu, écrit</a:t>
+            </a:r>
+            <a:endParaRPr lang="fr-FR" sz="1000" dirty="0"/>
+          </a:p>
+        </p:txBody>
+      </p:sp>
+      <p:sp>
+        <p:nvSpPr>
+          <p:cNvPr id="27" name="ZoneTexte 26"/>
           <p:cNvSpPr txBox="1"/>
           <p:nvPr/>
         </p:nvSpPr>
         <p:spPr>
           <a:xfrm>
-            <a:off x="548680" y="5445388"/>
-            <a:ext cx="5040560" cy="646331"/>
+            <a:off x="476672" y="8247890"/>
+            <a:ext cx="6309320" cy="400110"/>
           </a:xfrm>
           <a:prstGeom prst="rect">
             <a:avLst/>
@@ -3890,55 +4106,58 @@
           <a:lstStyle/>
           <a:p>
             <a:pPr marL="185738" indent="-185738">
-              <a:buFont typeface="Arial"/>
-              <a:buChar char="•"/>
+              <a:buFont typeface="Wingdings" pitchFamily="2" charset="2"/>
+              <a:buChar char="§"/>
             </a:pPr>
             <a:r>
-              <a:rPr lang="fr-FR" sz="1200" dirty="0" smtClean="0"/>
-              <a:t>Ma</a:t>
-            </a:r>
-            <a:r>
-              <a:rPr lang="fr-FR" sz="1200" dirty="0" smtClean="0"/>
-              <a:t>îtrise du C</a:t>
-            </a:r>
+              <a:rPr lang="fr-FR" sz="1000" dirty="0" smtClean="0"/>
+              <a:t>Jeux </a:t>
+            </a:r>
+            <a:r>
+              <a:rPr lang="fr-FR" sz="1000" dirty="0"/>
+              <a:t>de </a:t>
+            </a:r>
+            <a:r>
+              <a:rPr lang="fr-FR" sz="1000" dirty="0" smtClean="0"/>
+              <a:t>plateau : membre actif d’une association pendant 2 ans</a:t>
+            </a:r>
+            <a:endParaRPr lang="fr-FR" sz="1000" dirty="0"/>
           </a:p>
           <a:p>
             <a:pPr marL="185738" indent="-185738">
-              <a:buFont typeface="Arial"/>
-              <a:buChar char="•"/>
+              <a:buFont typeface="Wingdings" pitchFamily="2" charset="2"/>
+              <a:buChar char="§"/>
             </a:pPr>
             <a:r>
-              <a:rPr lang="fr-FR" sz="1200" dirty="0" smtClean="0"/>
-              <a:t>Compétence en PHP, développement web</a:t>
-            </a:r>
-          </a:p>
-          <a:p>
-            <a:pPr marL="185738" indent="-185738">
-              <a:buFont typeface="Arial"/>
-              <a:buChar char="•"/>
-            </a:pPr>
-            <a:r>
-              <a:rPr lang="fr-FR" sz="1200" dirty="0" smtClean="0"/>
-              <a:t>Bases en </a:t>
-            </a:r>
-            <a:r>
-              <a:rPr lang="fr-FR" sz="1200" dirty="0" err="1" smtClean="0"/>
-              <a:t>ruby</a:t>
-            </a:r>
-            <a:endParaRPr lang="fr-FR" sz="1200" dirty="0"/>
-          </a:p>
-        </p:txBody>
-      </p:sp>
-      <p:sp>
-        <p:nvSpPr>
-          <p:cNvPr id="25" name="ZoneTexte 24"/>
+              <a:rPr lang="fr-FR" sz="1000" dirty="0" smtClean="0"/>
+              <a:t>Randonnée </a:t>
+            </a:r>
+            <a:r>
+              <a:rPr lang="fr-FR" sz="1000" dirty="0" smtClean="0"/>
+              <a:t>: GR20 (Corse), </a:t>
+            </a:r>
+            <a:r>
+              <a:rPr lang="fr-FR" sz="1000" dirty="0"/>
+              <a:t>GR10 </a:t>
+            </a:r>
+            <a:r>
+              <a:rPr lang="fr-FR" sz="1000" dirty="0" smtClean="0"/>
+              <a:t>(Pyrénées), TMB (Alpes) </a:t>
+            </a:r>
+            <a:endParaRPr lang="fr-FR" sz="1000" dirty="0"/>
+          </a:p>
+        </p:txBody>
+      </p:sp>
+      <p:sp>
+        <p:nvSpPr>
+          <p:cNvPr id="23" name="ZoneTexte 17"/>
           <p:cNvSpPr txBox="1"/>
           <p:nvPr/>
         </p:nvSpPr>
         <p:spPr>
           <a:xfrm>
-            <a:off x="548680" y="6453500"/>
-            <a:ext cx="5040560" cy="276999"/>
+            <a:off x="1556792" y="5005789"/>
+            <a:ext cx="3960440" cy="400110"/>
           </a:xfrm>
           <a:prstGeom prst="rect">
             <a:avLst/>
@@ -3951,28 +4170,51 @@
           </a:bodyPr>
           <a:lstStyle/>
           <a:p>
-            <a:pPr marL="185738" indent="-185738">
-              <a:buFont typeface="Arial"/>
-              <a:buChar char="•"/>
-            </a:pPr>
-            <a:r>
-              <a:rPr lang="fr-FR" sz="1200" dirty="0" smtClean="0"/>
-              <a:t>Anglais courant</a:t>
-            </a:r>
-            <a:endParaRPr lang="fr-FR" sz="1200" dirty="0"/>
-          </a:p>
-        </p:txBody>
-      </p:sp>
-      <p:sp>
-        <p:nvSpPr>
-          <p:cNvPr id="27" name="ZoneTexte 26"/>
+            <a:pPr marL="185738" indent="-185738"/>
+            <a:r>
+              <a:rPr lang="fr-FR" sz="1000" b="1" dirty="0" smtClean="0"/>
+              <a:t>Enseignes </a:t>
+            </a:r>
+            <a:r>
+              <a:rPr lang="fr-FR" sz="1000" b="1" dirty="0" err="1" smtClean="0"/>
+              <a:t>retail</a:t>
+            </a:r>
+            <a:r>
+              <a:rPr lang="fr-FR" sz="1000" b="1" dirty="0" smtClean="0"/>
+              <a:t> diverses, </a:t>
+            </a:r>
+            <a:r>
+              <a:rPr lang="fr-FR" sz="1000" dirty="0" smtClean="0"/>
+              <a:t>Nantes</a:t>
+            </a:r>
+          </a:p>
+          <a:p>
+            <a:pPr marL="185738" indent="-185738"/>
+            <a:r>
+              <a:rPr lang="fr-FR" sz="1000" dirty="0" smtClean="0"/>
+              <a:t>Activité intérimaire</a:t>
+            </a:r>
+            <a:r>
+              <a:rPr lang="fr-FR" sz="1000" dirty="0" smtClean="0">
+                <a:solidFill>
+                  <a:srgbClr val="FF0000"/>
+                </a:solidFill>
+              </a:rPr>
+              <a:t> </a:t>
+            </a:r>
+          </a:p>
+        </p:txBody>
+      </p:sp>
+      <p:sp>
+        <p:nvSpPr>
+          <p:cNvPr id="26" name="ZoneTexte 18"/>
           <p:cNvSpPr txBox="1"/>
           <p:nvPr/>
         </p:nvSpPr>
         <p:spPr>
           <a:xfrm>
-            <a:off x="548680" y="7245588"/>
-            <a:ext cx="5040560" cy="646331"/>
+            <a:off x="620688" y="5005789"/>
+            <a:ext cx="944488" cy="246221"/>
           </a:xfrm>
           <a:prstGeom prst="rect">
             <a:avLst/>
@@ -3985,39 +4227,101 @@
           </a:bodyPr>
           <a:lstStyle/>
           <a:p>
+            <a:pPr marL="185738" indent="-185738"/>
+            <a:r>
+              <a:rPr lang="fr-FR" sz="1000" b="1" dirty="0" smtClean="0"/>
+              <a:t>2011-2012</a:t>
+            </a:r>
+          </a:p>
+        </p:txBody>
+      </p:sp>
+      <p:sp>
+        <p:nvSpPr>
+          <p:cNvPr id="28" name="ZoneTexte 16"/>
+          <p:cNvSpPr txBox="1"/>
+          <p:nvPr/>
+        </p:nvSpPr>
+        <p:spPr>
+          <a:xfrm>
+            <a:off x="620688" y="2907106"/>
+            <a:ext cx="936104" cy="246221"/>
+          </a:xfrm>
+          <a:prstGeom prst="rect">
+            <a:avLst/>
+          </a:prstGeom>
+          <a:noFill/>
+        </p:spPr>
+        <p:txBody>
+          <a:bodyPr wrap="square" rtlCol="0">
+            <a:spAutoFit/>
+          </a:bodyPr>
+          <a:lstStyle/>
+          <a:p>
+            <a:pPr marL="185738" indent="-185738"/>
+            <a:r>
+              <a:rPr lang="fr-FR" sz="1000" b="1" dirty="0" smtClean="0"/>
+              <a:t>2009-2011</a:t>
+            </a:r>
+          </a:p>
+        </p:txBody>
+      </p:sp>
+      <p:sp>
+        <p:nvSpPr>
+          <p:cNvPr id="29" name="ZoneTexte 20"/>
+          <p:cNvSpPr txBox="1"/>
+          <p:nvPr/>
+        </p:nvSpPr>
+        <p:spPr>
+          <a:xfrm>
+            <a:off x="1556792" y="2907106"/>
+            <a:ext cx="5040560" cy="553998"/>
+          </a:xfrm>
+          <a:prstGeom prst="rect">
+            <a:avLst/>
+          </a:prstGeom>
+          <a:noFill/>
+        </p:spPr>
+        <p:txBody>
+          <a:bodyPr wrap="square" rtlCol="0">
+            <a:spAutoFit/>
+          </a:bodyPr>
+          <a:lstStyle/>
+          <a:p>
+            <a:pPr marL="185738" indent="-185738"/>
+            <a:r>
+              <a:rPr lang="fr-FR" sz="1000" b="1" dirty="0" smtClean="0"/>
+              <a:t>Ecole Centrale Nantes, </a:t>
+            </a:r>
+            <a:r>
+              <a:rPr lang="fr-FR" sz="1000" dirty="0" smtClean="0"/>
+              <a:t>Nantes</a:t>
+            </a:r>
+          </a:p>
+          <a:p>
+            <a:pPr marL="185738" indent="-185738"/>
+            <a:r>
+              <a:rPr lang="fr-FR" sz="1000" dirty="0" smtClean="0"/>
+              <a:t>Formation d’ingénieur </a:t>
+            </a:r>
+            <a:r>
+              <a:rPr lang="fr-FR" sz="1000" dirty="0" smtClean="0"/>
+              <a:t>(interruption après </a:t>
+            </a:r>
+            <a:r>
+              <a:rPr lang="fr-FR" sz="1000" dirty="0" smtClean="0"/>
+              <a:t>2 ans)</a:t>
+            </a:r>
+          </a:p>
+          <a:p>
             <a:pPr marL="185738" indent="-185738">
-              <a:buFont typeface="Arial"/>
-              <a:buChar char="•"/>
+              <a:buFont typeface="Wingdings" pitchFamily="2" charset="2"/>
+              <a:buChar char="§"/>
             </a:pPr>
             <a:r>
-              <a:rPr lang="fr-FR" sz="1200" dirty="0" smtClean="0"/>
-              <a:t>Jeu de soci</a:t>
-            </a:r>
-            <a:r>
-              <a:rPr lang="fr-FR" sz="1200" dirty="0" smtClean="0"/>
-              <a:t>été</a:t>
-            </a:r>
-          </a:p>
-          <a:p>
-            <a:pPr marL="185738" indent="-185738">
-              <a:buFont typeface="Arial"/>
-              <a:buChar char="•"/>
-            </a:pPr>
-            <a:r>
-              <a:rPr lang="fr-FR" sz="1200" dirty="0" smtClean="0"/>
-              <a:t>Lecture</a:t>
-            </a:r>
-          </a:p>
-          <a:p>
-            <a:pPr marL="185738" indent="-185738">
-              <a:buFont typeface="Arial"/>
-              <a:buChar char="•"/>
-            </a:pPr>
-            <a:r>
-              <a:rPr lang="fr-FR" sz="1200" dirty="0" smtClean="0"/>
-              <a:t>Tennis</a:t>
-            </a:r>
-            <a:endParaRPr lang="fr-FR" sz="1200" dirty="0"/>
+              <a:rPr lang="fr-FR" sz="1000" dirty="0" smtClean="0"/>
+              <a:t>Première approche de la POO</a:t>
+            </a:r>
+            <a:endParaRPr lang="fr-FR" sz="1000" dirty="0"/>
           </a:p>
         </p:txBody>
       </p:sp>
@@ -4029,7 +4333,7 @@
   <p:timing>
     <p:tnLst>
       <p:par>
-        <p:cTn xmlns:p14="http://schemas.microsoft.com/office/powerpoint/2010/main" id="1" dur="indefinite" restart="never" nodeType="tmRoot"/>
+        <p:cTn id="1" dur="indefinite" restart="never" nodeType="tmRoot"/>
       </p:par>
     </p:tnLst>
   </p:timing>
